--- a/powerpoint files/Session2.pptx
+++ b/powerpoint files/Session2.pptx
@@ -135,6 +135,35 @@
     </p:ext>
   </p:extLst>
 </p:presentation>
+</file>
+
+<file path=ppt/changesInfos/changesInfo1.xml><?xml version="1.0" encoding="utf-8"?>
+<pc:chgInfo xmlns:a="http://schemas.openxmlformats.org/drawingml/2006/main" xmlns:r="http://schemas.openxmlformats.org/officeDocument/2006/relationships" xmlns:ac="http://schemas.microsoft.com/office/drawing/2013/main/command" xmlns:pc="http://schemas.microsoft.com/office/powerpoint/2013/main/command">
+  <pc:docChgLst>
+    <pc:chgData name="Srinivasa Rao" userId="a6b54366-f13d-4292-8bb4-f06c50909b1e" providerId="ADAL" clId="{0D58605D-500A-234E-A902-9EC193FEA9B1}"/>
+    <pc:docChg chg="undo custSel modSld">
+      <pc:chgData name="Srinivasa Rao" userId="a6b54366-f13d-4292-8bb4-f06c50909b1e" providerId="ADAL" clId="{0D58605D-500A-234E-A902-9EC193FEA9B1}" dt="2023-10-30T17:18:34.246" v="5"/>
+      <pc:docMkLst>
+        <pc:docMk/>
+      </pc:docMkLst>
+      <pc:sldChg chg="modSp mod">
+        <pc:chgData name="Srinivasa Rao" userId="a6b54366-f13d-4292-8bb4-f06c50909b1e" providerId="ADAL" clId="{0D58605D-500A-234E-A902-9EC193FEA9B1}" dt="2023-10-30T17:18:34.246" v="5"/>
+        <pc:sldMkLst>
+          <pc:docMk/>
+          <pc:sldMk cId="0" sldId="256"/>
+        </pc:sldMkLst>
+        <pc:spChg chg="mod">
+          <ac:chgData name="Srinivasa Rao" userId="a6b54366-f13d-4292-8bb4-f06c50909b1e" providerId="ADAL" clId="{0D58605D-500A-234E-A902-9EC193FEA9B1}" dt="2023-10-30T17:18:34.246" v="5"/>
+          <ac:spMkLst>
+            <pc:docMk/>
+            <pc:sldMk cId="0" sldId="256"/>
+            <ac:spMk id="153" creationId="{00000000-0000-0000-0000-000000000000}"/>
+          </ac:spMkLst>
+        </pc:spChg>
+      </pc:sldChg>
+    </pc:docChg>
+  </pc:docChgLst>
+</pc:chgInfo>
 </file>
 
 <file path=ppt/slideLayouts/slideLayout1.xml><?xml version="1.0" encoding="utf-8"?>
@@ -8568,14 +8597,14 @@
               </a:tabLst>
             </a:pPr>
             <a:r>
-              <a:rPr lang="en-US" sz="3200" spc="-1" dirty="0">
+              <a:rPr lang="en-US" sz="3200" spc="-1" dirty="0" err="1">
                 <a:solidFill>
                   <a:srgbClr val="8B8B8B"/>
                 </a:solidFill>
                 <a:latin typeface="Calibri"/>
                 <a:ea typeface="DejaVu Sans"/>
               </a:rPr>
-              <a:t>Trinity</a:t>
+              <a:t>Michaelmas</a:t>
             </a:r>
             <a:r>
               <a:rPr lang="en-US" sz="3200" b="0" strike="noStrike" spc="-1" dirty="0">
@@ -13110,6 +13139,13 @@
           </a:effectRef>
           <a:fontRef idx="minor"/>
         </p:style>
+        <p:txBody>
+          <a:bodyPr/>
+          <a:lstStyle/>
+          <a:p>
+            <a:endParaRPr lang="en-US"/>
+          </a:p>
+        </p:txBody>
       </p:sp>
       <p:sp>
         <p:nvSpPr>
@@ -13568,6 +13604,13 @@
           </a:effectRef>
           <a:fontRef idx="minor"/>
         </p:style>
+        <p:txBody>
+          <a:bodyPr/>
+          <a:lstStyle/>
+          <a:p>
+            <a:endParaRPr lang="en-US"/>
+          </a:p>
+        </p:txBody>
       </p:sp>
       <p:pic>
         <p:nvPicPr>
@@ -13660,6 +13703,13 @@
           </a:effectRef>
           <a:fontRef idx="minor"/>
         </p:style>
+        <p:txBody>
+          <a:bodyPr/>
+          <a:lstStyle/>
+          <a:p>
+            <a:endParaRPr lang="en-US"/>
+          </a:p>
+        </p:txBody>
       </p:sp>
       <p:sp>
         <p:nvSpPr>
@@ -14118,6 +14168,13 @@
           </a:effectRef>
           <a:fontRef idx="minor"/>
         </p:style>
+        <p:txBody>
+          <a:bodyPr/>
+          <a:lstStyle/>
+          <a:p>
+            <a:endParaRPr lang="en-US"/>
+          </a:p>
+        </p:txBody>
       </p:sp>
       <p:pic>
         <p:nvPicPr>
@@ -15322,6 +15379,13 @@
           </a:effectRef>
           <a:fontRef idx="minor"/>
         </p:style>
+        <p:txBody>
+          <a:bodyPr/>
+          <a:lstStyle/>
+          <a:p>
+            <a:endParaRPr lang="en-US"/>
+          </a:p>
+        </p:txBody>
       </p:sp>
       <p:sp>
         <p:nvSpPr>
@@ -15376,6 +15440,13 @@
           </a:effectRef>
           <a:fontRef idx="minor"/>
         </p:style>
+        <p:txBody>
+          <a:bodyPr/>
+          <a:lstStyle/>
+          <a:p>
+            <a:endParaRPr lang="en-US"/>
+          </a:p>
+        </p:txBody>
       </p:sp>
       <p:sp>
         <p:nvSpPr>
@@ -15408,6 +15479,13 @@
           </a:effectRef>
           <a:fontRef idx="minor"/>
         </p:style>
+        <p:txBody>
+          <a:bodyPr/>
+          <a:lstStyle/>
+          <a:p>
+            <a:endParaRPr lang="en-US"/>
+          </a:p>
+        </p:txBody>
       </p:sp>
       <p:sp>
         <p:nvSpPr>
@@ -15440,6 +15518,13 @@
           </a:effectRef>
           <a:fontRef idx="minor"/>
         </p:style>
+        <p:txBody>
+          <a:bodyPr/>
+          <a:lstStyle/>
+          <a:p>
+            <a:endParaRPr lang="en-US"/>
+          </a:p>
+        </p:txBody>
       </p:sp>
       <p:sp>
         <p:nvSpPr>
@@ -17096,6 +17181,13 @@
           </a:effectRef>
           <a:fontRef idx="minor"/>
         </p:style>
+        <p:txBody>
+          <a:bodyPr/>
+          <a:lstStyle/>
+          <a:p>
+            <a:endParaRPr lang="en-US"/>
+          </a:p>
+        </p:txBody>
       </p:sp>
       <p:pic>
         <p:nvPicPr>
@@ -18657,6 +18749,13 @@
           </a:effectRef>
           <a:fontRef idx="minor"/>
         </p:style>
+        <p:txBody>
+          <a:bodyPr/>
+          <a:lstStyle/>
+          <a:p>
+            <a:endParaRPr lang="en-US"/>
+          </a:p>
+        </p:txBody>
       </p:sp>
       <p:sp>
         <p:nvSpPr>
@@ -18689,6 +18788,13 @@
           </a:effectRef>
           <a:fontRef idx="minor"/>
         </p:style>
+        <p:txBody>
+          <a:bodyPr/>
+          <a:lstStyle/>
+          <a:p>
+            <a:endParaRPr lang="en-US"/>
+          </a:p>
+        </p:txBody>
       </p:sp>
       <p:sp>
         <p:nvSpPr>
@@ -18743,6 +18849,13 @@
           </a:effectRef>
           <a:fontRef idx="minor"/>
         </p:style>
+        <p:txBody>
+          <a:bodyPr/>
+          <a:lstStyle/>
+          <a:p>
+            <a:endParaRPr lang="en-US"/>
+          </a:p>
+        </p:txBody>
       </p:sp>
       <p:sp>
         <p:nvSpPr>
@@ -18775,6 +18888,13 @@
           </a:effectRef>
           <a:fontRef idx="minor"/>
         </p:style>
+        <p:txBody>
+          <a:bodyPr/>
+          <a:lstStyle/>
+          <a:p>
+            <a:endParaRPr lang="en-US"/>
+          </a:p>
+        </p:txBody>
       </p:sp>
       <p:sp>
         <p:nvSpPr>
@@ -19112,6 +19232,13 @@
           </a:effectRef>
           <a:fontRef idx="minor"/>
         </p:style>
+        <p:txBody>
+          <a:bodyPr/>
+          <a:lstStyle/>
+          <a:p>
+            <a:endParaRPr lang="en-US"/>
+          </a:p>
+        </p:txBody>
       </p:sp>
       <p:sp>
         <p:nvSpPr>
@@ -19570,6 +19697,13 @@
           </a:effectRef>
           <a:fontRef idx="minor"/>
         </p:style>
+        <p:txBody>
+          <a:bodyPr/>
+          <a:lstStyle/>
+          <a:p>
+            <a:endParaRPr lang="en-US"/>
+          </a:p>
+        </p:txBody>
       </p:sp>
       <p:pic>
         <p:nvPicPr>

--- a/powerpoint files/Session2.pptx
+++ b/powerpoint files/Session2.pptx
@@ -142,7 +142,7 @@
   <pc:docChgLst>
     <pc:chgData name="Srinivasa Rao" userId="a6b54366-f13d-4292-8bb4-f06c50909b1e" providerId="ADAL" clId="{0D58605D-500A-234E-A902-9EC193FEA9B1}"/>
     <pc:docChg chg="undo custSel modSld">
-      <pc:chgData name="Srinivasa Rao" userId="a6b54366-f13d-4292-8bb4-f06c50909b1e" providerId="ADAL" clId="{0D58605D-500A-234E-A902-9EC193FEA9B1}" dt="2023-10-30T17:18:34.246" v="5"/>
+      <pc:chgData name="Srinivasa Rao" userId="a6b54366-f13d-4292-8bb4-f06c50909b1e" providerId="ADAL" clId="{0D58605D-500A-234E-A902-9EC193FEA9B1}" dt="2023-11-07T08:58:25.666" v="15" actId="1037"/>
       <pc:docMkLst>
         <pc:docMk/>
       </pc:docMkLst>
@@ -158,6 +158,45 @@
             <pc:docMk/>
             <pc:sldMk cId="0" sldId="256"/>
             <ac:spMk id="153" creationId="{00000000-0000-0000-0000-000000000000}"/>
+          </ac:spMkLst>
+        </pc:spChg>
+      </pc:sldChg>
+      <pc:sldChg chg="modSp mod">
+        <pc:chgData name="Srinivasa Rao" userId="a6b54366-f13d-4292-8bb4-f06c50909b1e" providerId="ADAL" clId="{0D58605D-500A-234E-A902-9EC193FEA9B1}" dt="2023-11-07T08:58:25.666" v="15" actId="1037"/>
+        <pc:sldMkLst>
+          <pc:docMk/>
+          <pc:sldMk cId="0" sldId="263"/>
+        </pc:sldMkLst>
+        <pc:spChg chg="mod">
+          <ac:chgData name="Srinivasa Rao" userId="a6b54366-f13d-4292-8bb4-f06c50909b1e" providerId="ADAL" clId="{0D58605D-500A-234E-A902-9EC193FEA9B1}" dt="2023-11-07T08:58:14.378" v="7" actId="14100"/>
+          <ac:spMkLst>
+            <pc:docMk/>
+            <pc:sldMk cId="0" sldId="263"/>
+            <ac:spMk id="195" creationId="{00000000-0000-0000-0000-000000000000}"/>
+          </ac:spMkLst>
+        </pc:spChg>
+        <pc:spChg chg="mod">
+          <ac:chgData name="Srinivasa Rao" userId="a6b54366-f13d-4292-8bb4-f06c50909b1e" providerId="ADAL" clId="{0D58605D-500A-234E-A902-9EC193FEA9B1}" dt="2023-11-07T08:58:06.315" v="6" actId="1076"/>
+          <ac:spMkLst>
+            <pc:docMk/>
+            <pc:sldMk cId="0" sldId="263"/>
+            <ac:spMk id="196" creationId="{00000000-0000-0000-0000-000000000000}"/>
+          </ac:spMkLst>
+        </pc:spChg>
+        <pc:spChg chg="mod">
+          <ac:chgData name="Srinivasa Rao" userId="a6b54366-f13d-4292-8bb4-f06c50909b1e" providerId="ADAL" clId="{0D58605D-500A-234E-A902-9EC193FEA9B1}" dt="2023-11-07T08:58:25.666" v="15" actId="1037"/>
+          <ac:spMkLst>
+            <pc:docMk/>
+            <pc:sldMk cId="0" sldId="263"/>
+            <ac:spMk id="197" creationId="{00000000-0000-0000-0000-000000000000}"/>
+          </ac:spMkLst>
+        </pc:spChg>
+        <pc:spChg chg="mod">
+          <ac:chgData name="Srinivasa Rao" userId="a6b54366-f13d-4292-8bb4-f06c50909b1e" providerId="ADAL" clId="{0D58605D-500A-234E-A902-9EC193FEA9B1}" dt="2023-11-07T08:58:25.666" v="15" actId="1037"/>
+          <ac:spMkLst>
+            <pc:docMk/>
+            <pc:sldMk cId="0" sldId="263"/>
+            <ac:spMk id="198" creationId="{00000000-0000-0000-0000-000000000000}"/>
           </ac:spMkLst>
         </pc:spChg>
       </pc:sldChg>
@@ -18704,8 +18743,8 @@
         </p:nvSpPr>
         <p:spPr>
           <a:xfrm>
-            <a:off x="3444480" y="1587600"/>
-            <a:ext cx="3732120" cy="503640"/>
+            <a:off x="2875680" y="1587600"/>
+            <a:ext cx="4300920" cy="503640"/>
           </a:xfrm>
           <a:custGeom>
             <a:avLst/>
@@ -18765,7 +18804,7 @@
         </p:nvSpPr>
         <p:spPr>
           <a:xfrm>
-            <a:off x="2459160" y="1437120"/>
+            <a:off x="1891080" y="1441800"/>
             <a:ext cx="984600" cy="300240"/>
           </a:xfrm>
           <a:prstGeom prst="rect">
@@ -18804,7 +18843,7 @@
         </p:nvSpPr>
         <p:spPr>
           <a:xfrm flipV="1">
-            <a:off x="3249360" y="974160"/>
+            <a:off x="3154360" y="974160"/>
             <a:ext cx="3985200" cy="317520"/>
           </a:xfrm>
           <a:custGeom>
@@ -18865,7 +18904,7 @@
         </p:nvSpPr>
         <p:spPr>
           <a:xfrm>
-            <a:off x="2277000" y="1143360"/>
+            <a:off x="2182000" y="1143360"/>
             <a:ext cx="984600" cy="293400"/>
           </a:xfrm>
           <a:prstGeom prst="rect">
